--- a/docs/ppt/전체 구조.pptx
+++ b/docs/ppt/전체 구조.pptx
@@ -263,7 +263,7 @@
           <a:p>
             <a:fld id="{6C1370F0-4CC3-41C5-AAE7-003C8EA250C8}" type="datetimeFigureOut">
               <a:rPr lang="ko-KR" altLang="en-US" smtClean="0"/>
-              <a:t>2023-12-05</a:t>
+              <a:t>2023-12-08</a:t>
             </a:fld>
             <a:endParaRPr lang="ko-KR" altLang="en-US"/>
           </a:p>
@@ -461,7 +461,7 @@
           <a:p>
             <a:fld id="{6C1370F0-4CC3-41C5-AAE7-003C8EA250C8}" type="datetimeFigureOut">
               <a:rPr lang="ko-KR" altLang="en-US" smtClean="0"/>
-              <a:t>2023-12-05</a:t>
+              <a:t>2023-12-08</a:t>
             </a:fld>
             <a:endParaRPr lang="ko-KR" altLang="en-US"/>
           </a:p>
@@ -669,7 +669,7 @@
           <a:p>
             <a:fld id="{6C1370F0-4CC3-41C5-AAE7-003C8EA250C8}" type="datetimeFigureOut">
               <a:rPr lang="ko-KR" altLang="en-US" smtClean="0"/>
-              <a:t>2023-12-05</a:t>
+              <a:t>2023-12-08</a:t>
             </a:fld>
             <a:endParaRPr lang="ko-KR" altLang="en-US"/>
           </a:p>
@@ -867,7 +867,7 @@
           <a:p>
             <a:fld id="{6C1370F0-4CC3-41C5-AAE7-003C8EA250C8}" type="datetimeFigureOut">
               <a:rPr lang="ko-KR" altLang="en-US" smtClean="0"/>
-              <a:t>2023-12-05</a:t>
+              <a:t>2023-12-08</a:t>
             </a:fld>
             <a:endParaRPr lang="ko-KR" altLang="en-US"/>
           </a:p>
@@ -1142,7 +1142,7 @@
           <a:p>
             <a:fld id="{6C1370F0-4CC3-41C5-AAE7-003C8EA250C8}" type="datetimeFigureOut">
               <a:rPr lang="ko-KR" altLang="en-US" smtClean="0"/>
-              <a:t>2023-12-05</a:t>
+              <a:t>2023-12-08</a:t>
             </a:fld>
             <a:endParaRPr lang="ko-KR" altLang="en-US"/>
           </a:p>
@@ -1407,7 +1407,7 @@
           <a:p>
             <a:fld id="{6C1370F0-4CC3-41C5-AAE7-003C8EA250C8}" type="datetimeFigureOut">
               <a:rPr lang="ko-KR" altLang="en-US" smtClean="0"/>
-              <a:t>2023-12-05</a:t>
+              <a:t>2023-12-08</a:t>
             </a:fld>
             <a:endParaRPr lang="ko-KR" altLang="en-US"/>
           </a:p>
@@ -1819,7 +1819,7 @@
           <a:p>
             <a:fld id="{6C1370F0-4CC3-41C5-AAE7-003C8EA250C8}" type="datetimeFigureOut">
               <a:rPr lang="ko-KR" altLang="en-US" smtClean="0"/>
-              <a:t>2023-12-05</a:t>
+              <a:t>2023-12-08</a:t>
             </a:fld>
             <a:endParaRPr lang="ko-KR" altLang="en-US"/>
           </a:p>
@@ -1960,7 +1960,7 @@
           <a:p>
             <a:fld id="{6C1370F0-4CC3-41C5-AAE7-003C8EA250C8}" type="datetimeFigureOut">
               <a:rPr lang="ko-KR" altLang="en-US" smtClean="0"/>
-              <a:t>2023-12-05</a:t>
+              <a:t>2023-12-08</a:t>
             </a:fld>
             <a:endParaRPr lang="ko-KR" altLang="en-US"/>
           </a:p>
@@ -2073,7 +2073,7 @@
           <a:p>
             <a:fld id="{6C1370F0-4CC3-41C5-AAE7-003C8EA250C8}" type="datetimeFigureOut">
               <a:rPr lang="ko-KR" altLang="en-US" smtClean="0"/>
-              <a:t>2023-12-05</a:t>
+              <a:t>2023-12-08</a:t>
             </a:fld>
             <a:endParaRPr lang="ko-KR" altLang="en-US"/>
           </a:p>
@@ -2384,7 +2384,7 @@
           <a:p>
             <a:fld id="{6C1370F0-4CC3-41C5-AAE7-003C8EA250C8}" type="datetimeFigureOut">
               <a:rPr lang="ko-KR" altLang="en-US" smtClean="0"/>
-              <a:t>2023-12-05</a:t>
+              <a:t>2023-12-08</a:t>
             </a:fld>
             <a:endParaRPr lang="ko-KR" altLang="en-US"/>
           </a:p>
@@ -2672,7 +2672,7 @@
           <a:p>
             <a:fld id="{6C1370F0-4CC3-41C5-AAE7-003C8EA250C8}" type="datetimeFigureOut">
               <a:rPr lang="ko-KR" altLang="en-US" smtClean="0"/>
-              <a:t>2023-12-05</a:t>
+              <a:t>2023-12-08</a:t>
             </a:fld>
             <a:endParaRPr lang="ko-KR" altLang="en-US"/>
           </a:p>
@@ -2913,7 +2913,7 @@
           <a:p>
             <a:fld id="{6C1370F0-4CC3-41C5-AAE7-003C8EA250C8}" type="datetimeFigureOut">
               <a:rPr lang="ko-KR" altLang="en-US" smtClean="0"/>
-              <a:t>2023-12-05</a:t>
+              <a:t>2023-12-08</a:t>
             </a:fld>
             <a:endParaRPr lang="ko-KR" altLang="en-US"/>
           </a:p>
